--- a/MPPL.pptx
+++ b/MPPL.pptx
@@ -111,6 +111,11 @@
       </a:defRPr>
     </a:lvl9pPr>
   </p:defaultTextStyle>
+  <p:extLst>
+    <p:ext uri="{EFAFB233-063F-42B5-8137-9DF3F51BA10A}">
+      <p15:sldGuideLst xmlns:p15="http://schemas.microsoft.com/office/powerpoint/2012/main"/>
+    </p:ext>
+  </p:extLst>
 </p:presentation>
 </file>
 
@@ -245,7 +250,7 @@
           <a:p>
             <a:fld id="{0466D10B-371D-4AAB-BE86-B4CCB43F3989}" type="datetimeFigureOut">
               <a:rPr lang="en-US" smtClean="0"/>
-              <a:t>3/20/2015</a:t>
+              <a:t>23-Mar-15</a:t>
             </a:fld>
             <a:endParaRPr lang="en-US"/>
           </a:p>
@@ -415,7 +420,7 @@
           <a:p>
             <a:fld id="{0466D10B-371D-4AAB-BE86-B4CCB43F3989}" type="datetimeFigureOut">
               <a:rPr lang="en-US" smtClean="0"/>
-              <a:t>3/20/2015</a:t>
+              <a:t>23-Mar-15</a:t>
             </a:fld>
             <a:endParaRPr lang="en-US"/>
           </a:p>
@@ -595,7 +600,7 @@
           <a:p>
             <a:fld id="{0466D10B-371D-4AAB-BE86-B4CCB43F3989}" type="datetimeFigureOut">
               <a:rPr lang="en-US" smtClean="0"/>
-              <a:t>3/20/2015</a:t>
+              <a:t>23-Mar-15</a:t>
             </a:fld>
             <a:endParaRPr lang="en-US"/>
           </a:p>
@@ -765,7 +770,7 @@
           <a:p>
             <a:fld id="{0466D10B-371D-4AAB-BE86-B4CCB43F3989}" type="datetimeFigureOut">
               <a:rPr lang="en-US" smtClean="0"/>
-              <a:t>3/20/2015</a:t>
+              <a:t>23-Mar-15</a:t>
             </a:fld>
             <a:endParaRPr lang="en-US"/>
           </a:p>
@@ -1011,7 +1016,7 @@
           <a:p>
             <a:fld id="{0466D10B-371D-4AAB-BE86-B4CCB43F3989}" type="datetimeFigureOut">
               <a:rPr lang="en-US" smtClean="0"/>
-              <a:t>3/20/2015</a:t>
+              <a:t>23-Mar-15</a:t>
             </a:fld>
             <a:endParaRPr lang="en-US"/>
           </a:p>
@@ -1243,7 +1248,7 @@
           <a:p>
             <a:fld id="{0466D10B-371D-4AAB-BE86-B4CCB43F3989}" type="datetimeFigureOut">
               <a:rPr lang="en-US" smtClean="0"/>
-              <a:t>3/20/2015</a:t>
+              <a:t>23-Mar-15</a:t>
             </a:fld>
             <a:endParaRPr lang="en-US"/>
           </a:p>
@@ -1610,7 +1615,7 @@
           <a:p>
             <a:fld id="{0466D10B-371D-4AAB-BE86-B4CCB43F3989}" type="datetimeFigureOut">
               <a:rPr lang="en-US" smtClean="0"/>
-              <a:t>3/20/2015</a:t>
+              <a:t>23-Mar-15</a:t>
             </a:fld>
             <a:endParaRPr lang="en-US"/>
           </a:p>
@@ -1728,7 +1733,7 @@
           <a:p>
             <a:fld id="{0466D10B-371D-4AAB-BE86-B4CCB43F3989}" type="datetimeFigureOut">
               <a:rPr lang="en-US" smtClean="0"/>
-              <a:t>3/20/2015</a:t>
+              <a:t>23-Mar-15</a:t>
             </a:fld>
             <a:endParaRPr lang="en-US"/>
           </a:p>
@@ -1823,7 +1828,7 @@
           <a:p>
             <a:fld id="{0466D10B-371D-4AAB-BE86-B4CCB43F3989}" type="datetimeFigureOut">
               <a:rPr lang="en-US" smtClean="0"/>
-              <a:t>3/20/2015</a:t>
+              <a:t>23-Mar-15</a:t>
             </a:fld>
             <a:endParaRPr lang="en-US"/>
           </a:p>
@@ -2100,7 +2105,7 @@
           <a:p>
             <a:fld id="{0466D10B-371D-4AAB-BE86-B4CCB43F3989}" type="datetimeFigureOut">
               <a:rPr lang="en-US" smtClean="0"/>
-              <a:t>3/20/2015</a:t>
+              <a:t>23-Mar-15</a:t>
             </a:fld>
             <a:endParaRPr lang="en-US"/>
           </a:p>
@@ -2353,7 +2358,7 @@
           <a:p>
             <a:fld id="{0466D10B-371D-4AAB-BE86-B4CCB43F3989}" type="datetimeFigureOut">
               <a:rPr lang="en-US" smtClean="0"/>
-              <a:t>3/20/2015</a:t>
+              <a:t>23-Mar-15</a:t>
             </a:fld>
             <a:endParaRPr lang="en-US"/>
           </a:p>
@@ -2566,7 +2571,7 @@
           <a:p>
             <a:fld id="{0466D10B-371D-4AAB-BE86-B4CCB43F3989}" type="datetimeFigureOut">
               <a:rPr lang="en-US" smtClean="0"/>
-              <a:t>3/20/2015</a:t>
+              <a:t>23-Mar-15</a:t>
             </a:fld>
             <a:endParaRPr lang="en-US"/>
           </a:p>
@@ -4533,8 +4538,160 @@
               <a:t> repository </a:t>
             </a:r>
             <a:r>
-              <a:rPr lang="en-US" dirty="0" err="1" smtClean="0"/>
+              <a:rPr lang="en-US" dirty="0" err="1"/>
               <a:t>bersama</a:t>
+            </a:r>
+            <a:endParaRPr lang="en-US" dirty="0"/>
+          </a:p>
+          <a:p>
+            <a:pPr lvl="1"/>
+            <a:r>
+              <a:rPr lang="en-US" dirty="0" err="1" smtClean="0"/>
+              <a:t>Pengembang</a:t>
+            </a:r>
+            <a:r>
+              <a:rPr lang="en-US" dirty="0" smtClean="0"/>
+              <a:t> </a:t>
+            </a:r>
+            <a:r>
+              <a:rPr lang="en-US" dirty="0" err="1"/>
+              <a:t>tidak</a:t>
+            </a:r>
+            <a:r>
+              <a:rPr lang="en-US" dirty="0"/>
+              <a:t> </a:t>
+            </a:r>
+            <a:r>
+              <a:rPr lang="en-US" dirty="0" err="1"/>
+              <a:t>patuh</a:t>
+            </a:r>
+            <a:r>
+              <a:rPr lang="en-US" dirty="0"/>
+              <a:t> </a:t>
+            </a:r>
+            <a:r>
+              <a:rPr lang="en-US" dirty="0" err="1"/>
+              <a:t>kepada</a:t>
+            </a:r>
+            <a:r>
+              <a:rPr lang="en-US" dirty="0"/>
+              <a:t> timeline yang </a:t>
+            </a:r>
+            <a:r>
+              <a:rPr lang="en-US" dirty="0" err="1"/>
+              <a:t>sudah</a:t>
+            </a:r>
+            <a:r>
+              <a:rPr lang="en-US" dirty="0"/>
+              <a:t> </a:t>
+            </a:r>
+            <a:r>
+              <a:rPr lang="en-US" dirty="0" err="1"/>
+              <a:t>terjadwal</a:t>
+            </a:r>
+            <a:endParaRPr lang="en-US" dirty="0"/>
+          </a:p>
+          <a:p>
+            <a:pPr lvl="1"/>
+            <a:r>
+              <a:rPr lang="en-US" dirty="0" err="1" smtClean="0"/>
+              <a:t>Pengembang</a:t>
+            </a:r>
+            <a:r>
+              <a:rPr lang="en-US" dirty="0" smtClean="0"/>
+              <a:t> </a:t>
+            </a:r>
+            <a:r>
+              <a:rPr lang="en-US" dirty="0" err="1"/>
+              <a:t>mengerjakan</a:t>
+            </a:r>
+            <a:r>
+              <a:rPr lang="en-US" dirty="0"/>
+              <a:t> </a:t>
+            </a:r>
+            <a:r>
+              <a:rPr lang="en-US" dirty="0" err="1"/>
+              <a:t>proyek</a:t>
+            </a:r>
+            <a:r>
+              <a:rPr lang="en-US" dirty="0"/>
+              <a:t> </a:t>
+            </a:r>
+            <a:r>
+              <a:rPr lang="en-US" dirty="0" err="1"/>
+              <a:t>pada</a:t>
+            </a:r>
+            <a:r>
+              <a:rPr lang="en-US" dirty="0"/>
+              <a:t> </a:t>
+            </a:r>
+            <a:r>
+              <a:rPr lang="en-US" dirty="0" err="1"/>
+              <a:t>dua</a:t>
+            </a:r>
+            <a:r>
+              <a:rPr lang="en-US" dirty="0"/>
+              <a:t> </a:t>
+            </a:r>
+            <a:r>
+              <a:rPr lang="en-US" dirty="0" err="1"/>
+              <a:t>minggu</a:t>
+            </a:r>
+            <a:r>
+              <a:rPr lang="en-US" dirty="0"/>
+              <a:t> </a:t>
+            </a:r>
+            <a:r>
+              <a:rPr lang="en-US" dirty="0" err="1"/>
+              <a:t>terakhir</a:t>
+            </a:r>
+            <a:endParaRPr lang="en-US" dirty="0"/>
+          </a:p>
+          <a:p>
+            <a:pPr lvl="1"/>
+            <a:r>
+              <a:rPr lang="en-US" dirty="0" err="1" smtClean="0"/>
+              <a:t>Pengembang</a:t>
+            </a:r>
+            <a:r>
+              <a:rPr lang="en-US" dirty="0" smtClean="0"/>
+              <a:t> </a:t>
+            </a:r>
+            <a:r>
+              <a:rPr lang="en-US" dirty="0" err="1"/>
+              <a:t>saling</a:t>
+            </a:r>
+            <a:r>
+              <a:rPr lang="en-US" dirty="0"/>
+              <a:t> </a:t>
+            </a:r>
+            <a:r>
+              <a:rPr lang="en-US" dirty="0" err="1"/>
+              <a:t>menunggu</a:t>
+            </a:r>
+            <a:r>
+              <a:rPr lang="en-US" dirty="0"/>
+              <a:t> </a:t>
+            </a:r>
+            <a:r>
+              <a:rPr lang="en-US" dirty="0" err="1"/>
+              <a:t>untuk</a:t>
+            </a:r>
+            <a:r>
+              <a:rPr lang="en-US" dirty="0"/>
+              <a:t> </a:t>
+            </a:r>
+            <a:r>
+              <a:rPr lang="en-US" dirty="0" err="1"/>
+              <a:t>mengerjakan</a:t>
+            </a:r>
+            <a:r>
+              <a:rPr lang="en-US" dirty="0"/>
+              <a:t> </a:t>
+            </a:r>
+            <a:r>
+              <a:rPr lang="en-US" dirty="0" err="1"/>
+              <a:t>tasknya</a:t>
             </a:r>
             <a:endParaRPr lang="en-US" dirty="0" smtClean="0"/>
           </a:p>
@@ -4763,8 +4920,204 @@
             </a:r>
             <a:r>
               <a:rPr lang="en-US" dirty="0" smtClean="0"/>
-              <a:t> manual</a:t>
-            </a:r>
+              <a:t> </a:t>
+            </a:r>
+            <a:r>
+              <a:rPr lang="en-US" dirty="0"/>
+              <a:t>manual</a:t>
+            </a:r>
+          </a:p>
+          <a:p>
+            <a:pPr lvl="1"/>
+            <a:r>
+              <a:rPr lang="en-US" dirty="0" err="1" smtClean="0"/>
+              <a:t>Lebih</a:t>
+            </a:r>
+            <a:r>
+              <a:rPr lang="en-US" dirty="0" smtClean="0"/>
+              <a:t> </a:t>
+            </a:r>
+            <a:r>
+              <a:rPr lang="en-US" dirty="0" err="1"/>
+              <a:t>disiplin</a:t>
+            </a:r>
+            <a:r>
+              <a:rPr lang="en-US" dirty="0"/>
+              <a:t> </a:t>
+            </a:r>
+            <a:r>
+              <a:rPr lang="en-US" dirty="0" err="1"/>
+              <a:t>dan</a:t>
+            </a:r>
+            <a:r>
+              <a:rPr lang="en-US" dirty="0"/>
+              <a:t> </a:t>
+            </a:r>
+            <a:r>
+              <a:rPr lang="en-US" dirty="0" err="1"/>
+              <a:t>komitmen</a:t>
+            </a:r>
+            <a:r>
+              <a:rPr lang="en-US" dirty="0"/>
+              <a:t> </a:t>
+            </a:r>
+            <a:r>
+              <a:rPr lang="en-US" dirty="0" err="1"/>
+              <a:t>kepada</a:t>
+            </a:r>
+            <a:r>
+              <a:rPr lang="en-US" dirty="0"/>
+              <a:t> timeline yang </a:t>
+            </a:r>
+            <a:r>
+              <a:rPr lang="en-US" dirty="0" err="1"/>
+              <a:t>sudah</a:t>
+            </a:r>
+            <a:r>
+              <a:rPr lang="en-US" dirty="0"/>
+              <a:t> </a:t>
+            </a:r>
+            <a:r>
+              <a:rPr lang="en-US" dirty="0" err="1"/>
+              <a:t>dibuat</a:t>
+            </a:r>
+            <a:endParaRPr lang="en-US" dirty="0"/>
+          </a:p>
+          <a:p>
+            <a:pPr lvl="1"/>
+            <a:r>
+              <a:rPr lang="en-US" dirty="0" err="1" smtClean="0"/>
+              <a:t>Pengerjaan</a:t>
+            </a:r>
+            <a:r>
+              <a:rPr lang="en-US" dirty="0" smtClean="0"/>
+              <a:t> </a:t>
+            </a:r>
+            <a:r>
+              <a:rPr lang="en-US" dirty="0" err="1"/>
+              <a:t>mengacu</a:t>
+            </a:r>
+            <a:r>
+              <a:rPr lang="en-US" dirty="0"/>
+              <a:t> </a:t>
+            </a:r>
+            <a:r>
+              <a:rPr lang="en-US" dirty="0" err="1"/>
+              <a:t>pada</a:t>
+            </a:r>
+            <a:r>
+              <a:rPr lang="en-US" dirty="0"/>
+              <a:t> timeline yang </a:t>
+            </a:r>
+            <a:r>
+              <a:rPr lang="en-US" dirty="0" err="1"/>
+              <a:t>sudah</a:t>
+            </a:r>
+            <a:r>
+              <a:rPr lang="en-US" dirty="0"/>
+              <a:t> </a:t>
+            </a:r>
+            <a:r>
+              <a:rPr lang="en-US" dirty="0" err="1"/>
+              <a:t>dibuat</a:t>
+            </a:r>
+            <a:endParaRPr lang="en-US" dirty="0"/>
+          </a:p>
+          <a:p>
+            <a:pPr lvl="1"/>
+            <a:r>
+              <a:rPr lang="en-US" smtClean="0"/>
+              <a:t>Sebisa</a:t>
+            </a:r>
+            <a:r>
+              <a:rPr lang="en-US" dirty="0" smtClean="0"/>
+              <a:t> </a:t>
+            </a:r>
+            <a:r>
+              <a:rPr lang="en-US" dirty="0" err="1"/>
+              <a:t>mungkin</a:t>
+            </a:r>
+            <a:r>
+              <a:rPr lang="en-US" dirty="0"/>
+              <a:t>, </a:t>
+            </a:r>
+            <a:r>
+              <a:rPr lang="en-US" dirty="0" err="1"/>
+              <a:t>proyek</a:t>
+            </a:r>
+            <a:r>
+              <a:rPr lang="en-US" dirty="0"/>
+              <a:t> </a:t>
+            </a:r>
+            <a:r>
+              <a:rPr lang="en-US" dirty="0" err="1"/>
+              <a:t>dibagi</a:t>
+            </a:r>
+            <a:r>
+              <a:rPr lang="en-US" dirty="0"/>
+              <a:t> </a:t>
+            </a:r>
+            <a:r>
+              <a:rPr lang="en-US" dirty="0" err="1"/>
+              <a:t>menjadi</a:t>
+            </a:r>
+            <a:r>
+              <a:rPr lang="en-US" dirty="0"/>
+              <a:t> task/</a:t>
+            </a:r>
+            <a:r>
+              <a:rPr lang="en-US" dirty="0" err="1"/>
+              <a:t>modul</a:t>
+            </a:r>
+            <a:r>
+              <a:rPr lang="en-US" dirty="0"/>
+              <a:t> yang </a:t>
+            </a:r>
+            <a:r>
+              <a:rPr lang="en-US" dirty="0" err="1"/>
+              <a:t>tingkat</a:t>
+            </a:r>
+            <a:r>
+              <a:rPr lang="en-US" dirty="0"/>
+              <a:t> </a:t>
+            </a:r>
+            <a:r>
+              <a:rPr lang="en-US" dirty="0" err="1"/>
+              <a:t>ketergantungan</a:t>
+            </a:r>
+            <a:r>
+              <a:rPr lang="en-US" dirty="0"/>
+              <a:t> </a:t>
+            </a:r>
+            <a:r>
+              <a:rPr lang="en-US" dirty="0" err="1"/>
+              <a:t>antar</a:t>
+            </a:r>
+            <a:r>
+              <a:rPr lang="en-US" dirty="0"/>
+              <a:t> task/</a:t>
+            </a:r>
+            <a:r>
+              <a:rPr lang="en-US" dirty="0" err="1"/>
+              <a:t>modulnya</a:t>
+            </a:r>
+            <a:r>
+              <a:rPr lang="en-US" dirty="0"/>
+              <a:t> </a:t>
+            </a:r>
+            <a:r>
+              <a:rPr lang="en-US" dirty="0" err="1"/>
+              <a:t>seminimal</a:t>
+            </a:r>
+            <a:r>
+              <a:rPr lang="en-US" dirty="0"/>
+              <a:t> </a:t>
+            </a:r>
+            <a:r>
+              <a:rPr lang="en-US" dirty="0" err="1"/>
+              <a:t>mungkin</a:t>
+            </a:r>
+            <a:endParaRPr lang="en-US" dirty="0" smtClean="0"/>
           </a:p>
           <a:p>
             <a:pPr lvl="1"/>
